--- a/Presentations/compare_step2TEM.pptx
+++ b/Presentations/compare_step2TEM.pptx
@@ -5,10 +5,14 @@
     <p:sldMasterId id="2147483648" r:id="rId1"/>
   </p:sldMasterIdLst>
   <p:sldIdLst>
-    <p:sldId id="308" r:id="rId2"/>
-    <p:sldId id="256" r:id="rId3"/>
-    <p:sldId id="309" r:id="rId4"/>
-    <p:sldId id="310" r:id="rId5"/>
+    <p:sldId id="315" r:id="rId2"/>
+    <p:sldId id="308" r:id="rId3"/>
+    <p:sldId id="256" r:id="rId4"/>
+    <p:sldId id="313" r:id="rId5"/>
+    <p:sldId id="314" r:id="rId6"/>
+    <p:sldId id="312" r:id="rId7"/>
+    <p:sldId id="311" r:id="rId8"/>
+    <p:sldId id="317" r:id="rId9"/>
   </p:sldIdLst>
   <p:sldSz cx="12192000" cy="6858000"/>
   <p:notesSz cx="6858000" cy="9144000"/>
@@ -107,6 +111,11 @@
       </a:defRPr>
     </a:lvl9pPr>
   </p:defaultTextStyle>
+  <p:extLst>
+    <p:ext uri="{EFAFB233-063F-42B5-8137-9DF3F51BA10A}">
+      <p15:sldGuideLst xmlns:p15="http://schemas.microsoft.com/office/powerpoint/2012/main"/>
+    </p:ext>
+  </p:extLst>
 </p:presentation>
 </file>
 
@@ -132,7 +141,7 @@
           <p:cNvPr id="2" name="Title 1">
             <a:extLst>
               <a:ext uri="{FF2B5EF4-FFF2-40B4-BE49-F238E27FC236}">
-                <a16:creationId xmlns:a16="http://schemas.microsoft.com/office/drawing/2014/main" id="{9D8CBA0D-F76A-6D46-ABD0-78E5FD56E680}"/>
+                <a16:creationId xmlns="" xmlns:a16="http://schemas.microsoft.com/office/drawing/2014/main" id="{9D8CBA0D-F76A-6D46-ABD0-78E5FD56E680}"/>
               </a:ext>
             </a:extLst>
           </p:cNvPr>
@@ -170,7 +179,7 @@
           <p:cNvPr id="3" name="Subtitle 2">
             <a:extLst>
               <a:ext uri="{FF2B5EF4-FFF2-40B4-BE49-F238E27FC236}">
-                <a16:creationId xmlns:a16="http://schemas.microsoft.com/office/drawing/2014/main" id="{346AFB60-A6B8-4B4D-AD48-1DA53BA23C99}"/>
+                <a16:creationId xmlns="" xmlns:a16="http://schemas.microsoft.com/office/drawing/2014/main" id="{346AFB60-A6B8-4B4D-AD48-1DA53BA23C99}"/>
               </a:ext>
             </a:extLst>
           </p:cNvPr>
@@ -241,7 +250,7 @@
           <p:cNvPr id="4" name="Date Placeholder 3">
             <a:extLst>
               <a:ext uri="{FF2B5EF4-FFF2-40B4-BE49-F238E27FC236}">
-                <a16:creationId xmlns:a16="http://schemas.microsoft.com/office/drawing/2014/main" id="{17B408B2-E62C-FA4F-9AC3-0AAAEFC964F9}"/>
+                <a16:creationId xmlns="" xmlns:a16="http://schemas.microsoft.com/office/drawing/2014/main" id="{17B408B2-E62C-FA4F-9AC3-0AAAEFC964F9}"/>
               </a:ext>
             </a:extLst>
           </p:cNvPr>
@@ -259,7 +268,7 @@
           <a:p>
             <a:fld id="{656D41C4-8687-A449-8399-B642F6765D4B}" type="datetimeFigureOut">
               <a:rPr lang="da-DK" smtClean="0"/>
-              <a:t>30/12/2018</a:t>
+              <a:t>16/01/2019</a:t>
             </a:fld>
             <a:endParaRPr lang="da-DK"/>
           </a:p>
@@ -270,7 +279,7 @@
           <p:cNvPr id="5" name="Footer Placeholder 4">
             <a:extLst>
               <a:ext uri="{FF2B5EF4-FFF2-40B4-BE49-F238E27FC236}">
-                <a16:creationId xmlns:a16="http://schemas.microsoft.com/office/drawing/2014/main" id="{7636A675-D1D1-D743-8C02-0B3080C88B79}"/>
+                <a16:creationId xmlns="" xmlns:a16="http://schemas.microsoft.com/office/drawing/2014/main" id="{7636A675-D1D1-D743-8C02-0B3080C88B79}"/>
               </a:ext>
             </a:extLst>
           </p:cNvPr>
@@ -295,7 +304,7 @@
           <p:cNvPr id="6" name="Slide Number Placeholder 5">
             <a:extLst>
               <a:ext uri="{FF2B5EF4-FFF2-40B4-BE49-F238E27FC236}">
-                <a16:creationId xmlns:a16="http://schemas.microsoft.com/office/drawing/2014/main" id="{53749F5B-22AB-6742-B53B-810A0FA70990}"/>
+                <a16:creationId xmlns="" xmlns:a16="http://schemas.microsoft.com/office/drawing/2014/main" id="{53749F5B-22AB-6742-B53B-810A0FA70990}"/>
               </a:ext>
             </a:extLst>
           </p:cNvPr>
@@ -354,7 +363,7 @@
           <p:cNvPr id="2" name="Title 1">
             <a:extLst>
               <a:ext uri="{FF2B5EF4-FFF2-40B4-BE49-F238E27FC236}">
-                <a16:creationId xmlns:a16="http://schemas.microsoft.com/office/drawing/2014/main" id="{D9DEF5C3-45C7-1547-B938-C6672ECB4A46}"/>
+                <a16:creationId xmlns="" xmlns:a16="http://schemas.microsoft.com/office/drawing/2014/main" id="{D9DEF5C3-45C7-1547-B938-C6672ECB4A46}"/>
               </a:ext>
             </a:extLst>
           </p:cNvPr>
@@ -383,7 +392,7 @@
           <p:cNvPr id="3" name="Vertical Text Placeholder 2">
             <a:extLst>
               <a:ext uri="{FF2B5EF4-FFF2-40B4-BE49-F238E27FC236}">
-                <a16:creationId xmlns:a16="http://schemas.microsoft.com/office/drawing/2014/main" id="{C5C3D5F9-BF35-F742-94CF-30ED6DC0BF64}"/>
+                <a16:creationId xmlns="" xmlns:a16="http://schemas.microsoft.com/office/drawing/2014/main" id="{C5C3D5F9-BF35-F742-94CF-30ED6DC0BF64}"/>
               </a:ext>
             </a:extLst>
           </p:cNvPr>
@@ -441,7 +450,7 @@
           <p:cNvPr id="4" name="Date Placeholder 3">
             <a:extLst>
               <a:ext uri="{FF2B5EF4-FFF2-40B4-BE49-F238E27FC236}">
-                <a16:creationId xmlns:a16="http://schemas.microsoft.com/office/drawing/2014/main" id="{99A4F497-D7A3-4C4B-94A9-7675C5B85377}"/>
+                <a16:creationId xmlns="" xmlns:a16="http://schemas.microsoft.com/office/drawing/2014/main" id="{99A4F497-D7A3-4C4B-94A9-7675C5B85377}"/>
               </a:ext>
             </a:extLst>
           </p:cNvPr>
@@ -459,7 +468,7 @@
           <a:p>
             <a:fld id="{656D41C4-8687-A449-8399-B642F6765D4B}" type="datetimeFigureOut">
               <a:rPr lang="da-DK" smtClean="0"/>
-              <a:t>30/12/2018</a:t>
+              <a:t>16/01/2019</a:t>
             </a:fld>
             <a:endParaRPr lang="da-DK"/>
           </a:p>
@@ -470,7 +479,7 @@
           <p:cNvPr id="5" name="Footer Placeholder 4">
             <a:extLst>
               <a:ext uri="{FF2B5EF4-FFF2-40B4-BE49-F238E27FC236}">
-                <a16:creationId xmlns:a16="http://schemas.microsoft.com/office/drawing/2014/main" id="{D8B3C062-C2EF-5940-AE54-98F7B212587A}"/>
+                <a16:creationId xmlns="" xmlns:a16="http://schemas.microsoft.com/office/drawing/2014/main" id="{D8B3C062-C2EF-5940-AE54-98F7B212587A}"/>
               </a:ext>
             </a:extLst>
           </p:cNvPr>
@@ -495,7 +504,7 @@
           <p:cNvPr id="6" name="Slide Number Placeholder 5">
             <a:extLst>
               <a:ext uri="{FF2B5EF4-FFF2-40B4-BE49-F238E27FC236}">
-                <a16:creationId xmlns:a16="http://schemas.microsoft.com/office/drawing/2014/main" id="{167888AD-16EE-864F-ACC0-D5641B42EF7E}"/>
+                <a16:creationId xmlns="" xmlns:a16="http://schemas.microsoft.com/office/drawing/2014/main" id="{167888AD-16EE-864F-ACC0-D5641B42EF7E}"/>
               </a:ext>
             </a:extLst>
           </p:cNvPr>
@@ -554,7 +563,7 @@
           <p:cNvPr id="2" name="Vertical Title 1">
             <a:extLst>
               <a:ext uri="{FF2B5EF4-FFF2-40B4-BE49-F238E27FC236}">
-                <a16:creationId xmlns:a16="http://schemas.microsoft.com/office/drawing/2014/main" id="{55149827-0651-3A49-9EBA-73DD5AF3FC9B}"/>
+                <a16:creationId xmlns="" xmlns:a16="http://schemas.microsoft.com/office/drawing/2014/main" id="{55149827-0651-3A49-9EBA-73DD5AF3FC9B}"/>
               </a:ext>
             </a:extLst>
           </p:cNvPr>
@@ -588,7 +597,7 @@
           <p:cNvPr id="3" name="Vertical Text Placeholder 2">
             <a:extLst>
               <a:ext uri="{FF2B5EF4-FFF2-40B4-BE49-F238E27FC236}">
-                <a16:creationId xmlns:a16="http://schemas.microsoft.com/office/drawing/2014/main" id="{85F6FB40-6009-E440-8D0B-49DEEB138DFC}"/>
+                <a16:creationId xmlns="" xmlns:a16="http://schemas.microsoft.com/office/drawing/2014/main" id="{85F6FB40-6009-E440-8D0B-49DEEB138DFC}"/>
               </a:ext>
             </a:extLst>
           </p:cNvPr>
@@ -651,7 +660,7 @@
           <p:cNvPr id="4" name="Date Placeholder 3">
             <a:extLst>
               <a:ext uri="{FF2B5EF4-FFF2-40B4-BE49-F238E27FC236}">
-                <a16:creationId xmlns:a16="http://schemas.microsoft.com/office/drawing/2014/main" id="{F0EBC080-E4BB-2942-93DA-0D5F49BB314D}"/>
+                <a16:creationId xmlns="" xmlns:a16="http://schemas.microsoft.com/office/drawing/2014/main" id="{F0EBC080-E4BB-2942-93DA-0D5F49BB314D}"/>
               </a:ext>
             </a:extLst>
           </p:cNvPr>
@@ -669,7 +678,7 @@
           <a:p>
             <a:fld id="{656D41C4-8687-A449-8399-B642F6765D4B}" type="datetimeFigureOut">
               <a:rPr lang="da-DK" smtClean="0"/>
-              <a:t>30/12/2018</a:t>
+              <a:t>16/01/2019</a:t>
             </a:fld>
             <a:endParaRPr lang="da-DK"/>
           </a:p>
@@ -680,7 +689,7 @@
           <p:cNvPr id="5" name="Footer Placeholder 4">
             <a:extLst>
               <a:ext uri="{FF2B5EF4-FFF2-40B4-BE49-F238E27FC236}">
-                <a16:creationId xmlns:a16="http://schemas.microsoft.com/office/drawing/2014/main" id="{3379CB69-697D-8040-A6FF-530CEC623679}"/>
+                <a16:creationId xmlns="" xmlns:a16="http://schemas.microsoft.com/office/drawing/2014/main" id="{3379CB69-697D-8040-A6FF-530CEC623679}"/>
               </a:ext>
             </a:extLst>
           </p:cNvPr>
@@ -705,7 +714,7 @@
           <p:cNvPr id="6" name="Slide Number Placeholder 5">
             <a:extLst>
               <a:ext uri="{FF2B5EF4-FFF2-40B4-BE49-F238E27FC236}">
-                <a16:creationId xmlns:a16="http://schemas.microsoft.com/office/drawing/2014/main" id="{36F414C4-91B6-9044-8818-9A638D56B096}"/>
+                <a16:creationId xmlns="" xmlns:a16="http://schemas.microsoft.com/office/drawing/2014/main" id="{36F414C4-91B6-9044-8818-9A638D56B096}"/>
               </a:ext>
             </a:extLst>
           </p:cNvPr>
@@ -764,7 +773,7 @@
           <p:cNvPr id="2" name="Title 1">
             <a:extLst>
               <a:ext uri="{FF2B5EF4-FFF2-40B4-BE49-F238E27FC236}">
-                <a16:creationId xmlns:a16="http://schemas.microsoft.com/office/drawing/2014/main" id="{C6B32869-5A7D-0D4B-9B2C-247E44C4AA54}"/>
+                <a16:creationId xmlns="" xmlns:a16="http://schemas.microsoft.com/office/drawing/2014/main" id="{C6B32869-5A7D-0D4B-9B2C-247E44C4AA54}"/>
               </a:ext>
             </a:extLst>
           </p:cNvPr>
@@ -793,7 +802,7 @@
           <p:cNvPr id="3" name="Content Placeholder 2">
             <a:extLst>
               <a:ext uri="{FF2B5EF4-FFF2-40B4-BE49-F238E27FC236}">
-                <a16:creationId xmlns:a16="http://schemas.microsoft.com/office/drawing/2014/main" id="{D1393403-5E56-6043-9654-A48FC90CA470}"/>
+                <a16:creationId xmlns="" xmlns:a16="http://schemas.microsoft.com/office/drawing/2014/main" id="{D1393403-5E56-6043-9654-A48FC90CA470}"/>
               </a:ext>
             </a:extLst>
           </p:cNvPr>
@@ -851,7 +860,7 @@
           <p:cNvPr id="4" name="Date Placeholder 3">
             <a:extLst>
               <a:ext uri="{FF2B5EF4-FFF2-40B4-BE49-F238E27FC236}">
-                <a16:creationId xmlns:a16="http://schemas.microsoft.com/office/drawing/2014/main" id="{06C282EF-CAEA-F448-BCF9-24602C277404}"/>
+                <a16:creationId xmlns="" xmlns:a16="http://schemas.microsoft.com/office/drawing/2014/main" id="{06C282EF-CAEA-F448-BCF9-24602C277404}"/>
               </a:ext>
             </a:extLst>
           </p:cNvPr>
@@ -869,7 +878,7 @@
           <a:p>
             <a:fld id="{656D41C4-8687-A449-8399-B642F6765D4B}" type="datetimeFigureOut">
               <a:rPr lang="da-DK" smtClean="0"/>
-              <a:t>30/12/2018</a:t>
+              <a:t>16/01/2019</a:t>
             </a:fld>
             <a:endParaRPr lang="da-DK"/>
           </a:p>
@@ -880,7 +889,7 @@
           <p:cNvPr id="5" name="Footer Placeholder 4">
             <a:extLst>
               <a:ext uri="{FF2B5EF4-FFF2-40B4-BE49-F238E27FC236}">
-                <a16:creationId xmlns:a16="http://schemas.microsoft.com/office/drawing/2014/main" id="{57224EC6-E5F0-5747-97DB-9A2D7C527B48}"/>
+                <a16:creationId xmlns="" xmlns:a16="http://schemas.microsoft.com/office/drawing/2014/main" id="{57224EC6-E5F0-5747-97DB-9A2D7C527B48}"/>
               </a:ext>
             </a:extLst>
           </p:cNvPr>
@@ -905,7 +914,7 @@
           <p:cNvPr id="6" name="Slide Number Placeholder 5">
             <a:extLst>
               <a:ext uri="{FF2B5EF4-FFF2-40B4-BE49-F238E27FC236}">
-                <a16:creationId xmlns:a16="http://schemas.microsoft.com/office/drawing/2014/main" id="{1DABFBB4-FCC6-4B4C-8FD8-65E97BD80E7F}"/>
+                <a16:creationId xmlns="" xmlns:a16="http://schemas.microsoft.com/office/drawing/2014/main" id="{1DABFBB4-FCC6-4B4C-8FD8-65E97BD80E7F}"/>
               </a:ext>
             </a:extLst>
           </p:cNvPr>
@@ -964,7 +973,7 @@
           <p:cNvPr id="2" name="Title 1">
             <a:extLst>
               <a:ext uri="{FF2B5EF4-FFF2-40B4-BE49-F238E27FC236}">
-                <a16:creationId xmlns:a16="http://schemas.microsoft.com/office/drawing/2014/main" id="{B460E41C-78CF-BA41-8A90-813525118D2E}"/>
+                <a16:creationId xmlns="" xmlns:a16="http://schemas.microsoft.com/office/drawing/2014/main" id="{B460E41C-78CF-BA41-8A90-813525118D2E}"/>
               </a:ext>
             </a:extLst>
           </p:cNvPr>
@@ -1002,7 +1011,7 @@
           <p:cNvPr id="3" name="Text Placeholder 2">
             <a:extLst>
               <a:ext uri="{FF2B5EF4-FFF2-40B4-BE49-F238E27FC236}">
-                <a16:creationId xmlns:a16="http://schemas.microsoft.com/office/drawing/2014/main" id="{8C6941AB-9841-4747-9858-C807371BC710}"/>
+                <a16:creationId xmlns="" xmlns:a16="http://schemas.microsoft.com/office/drawing/2014/main" id="{8C6941AB-9841-4747-9858-C807371BC710}"/>
               </a:ext>
             </a:extLst>
           </p:cNvPr>
@@ -1127,7 +1136,7 @@
           <p:cNvPr id="4" name="Date Placeholder 3">
             <a:extLst>
               <a:ext uri="{FF2B5EF4-FFF2-40B4-BE49-F238E27FC236}">
-                <a16:creationId xmlns:a16="http://schemas.microsoft.com/office/drawing/2014/main" id="{BB26FB8E-815C-C341-B94B-4A3A1E2BE82E}"/>
+                <a16:creationId xmlns="" xmlns:a16="http://schemas.microsoft.com/office/drawing/2014/main" id="{BB26FB8E-815C-C341-B94B-4A3A1E2BE82E}"/>
               </a:ext>
             </a:extLst>
           </p:cNvPr>
@@ -1145,7 +1154,7 @@
           <a:p>
             <a:fld id="{656D41C4-8687-A449-8399-B642F6765D4B}" type="datetimeFigureOut">
               <a:rPr lang="da-DK" smtClean="0"/>
-              <a:t>30/12/2018</a:t>
+              <a:t>16/01/2019</a:t>
             </a:fld>
             <a:endParaRPr lang="da-DK"/>
           </a:p>
@@ -1156,7 +1165,7 @@
           <p:cNvPr id="5" name="Footer Placeholder 4">
             <a:extLst>
               <a:ext uri="{FF2B5EF4-FFF2-40B4-BE49-F238E27FC236}">
-                <a16:creationId xmlns:a16="http://schemas.microsoft.com/office/drawing/2014/main" id="{68849D6B-D389-4840-A2EE-24F4A312E3AC}"/>
+                <a16:creationId xmlns="" xmlns:a16="http://schemas.microsoft.com/office/drawing/2014/main" id="{68849D6B-D389-4840-A2EE-24F4A312E3AC}"/>
               </a:ext>
             </a:extLst>
           </p:cNvPr>
@@ -1181,7 +1190,7 @@
           <p:cNvPr id="6" name="Slide Number Placeholder 5">
             <a:extLst>
               <a:ext uri="{FF2B5EF4-FFF2-40B4-BE49-F238E27FC236}">
-                <a16:creationId xmlns:a16="http://schemas.microsoft.com/office/drawing/2014/main" id="{0498135B-0F64-814F-B26E-D19D734D12C8}"/>
+                <a16:creationId xmlns="" xmlns:a16="http://schemas.microsoft.com/office/drawing/2014/main" id="{0498135B-0F64-814F-B26E-D19D734D12C8}"/>
               </a:ext>
             </a:extLst>
           </p:cNvPr>
@@ -1240,7 +1249,7 @@
           <p:cNvPr id="2" name="Title 1">
             <a:extLst>
               <a:ext uri="{FF2B5EF4-FFF2-40B4-BE49-F238E27FC236}">
-                <a16:creationId xmlns:a16="http://schemas.microsoft.com/office/drawing/2014/main" id="{0167B020-D398-B946-855B-B0EFBD890C80}"/>
+                <a16:creationId xmlns="" xmlns:a16="http://schemas.microsoft.com/office/drawing/2014/main" id="{0167B020-D398-B946-855B-B0EFBD890C80}"/>
               </a:ext>
             </a:extLst>
           </p:cNvPr>
@@ -1269,7 +1278,7 @@
           <p:cNvPr id="3" name="Content Placeholder 2">
             <a:extLst>
               <a:ext uri="{FF2B5EF4-FFF2-40B4-BE49-F238E27FC236}">
-                <a16:creationId xmlns:a16="http://schemas.microsoft.com/office/drawing/2014/main" id="{BA55C28F-21F3-CA41-93E0-19C505AF5DAA}"/>
+                <a16:creationId xmlns="" xmlns:a16="http://schemas.microsoft.com/office/drawing/2014/main" id="{BA55C28F-21F3-CA41-93E0-19C505AF5DAA}"/>
               </a:ext>
             </a:extLst>
           </p:cNvPr>
@@ -1332,7 +1341,7 @@
           <p:cNvPr id="4" name="Content Placeholder 3">
             <a:extLst>
               <a:ext uri="{FF2B5EF4-FFF2-40B4-BE49-F238E27FC236}">
-                <a16:creationId xmlns:a16="http://schemas.microsoft.com/office/drawing/2014/main" id="{C0BBA312-6FA8-4B46-BCAE-4CC8ADF4C6ED}"/>
+                <a16:creationId xmlns="" xmlns:a16="http://schemas.microsoft.com/office/drawing/2014/main" id="{C0BBA312-6FA8-4B46-BCAE-4CC8ADF4C6ED}"/>
               </a:ext>
             </a:extLst>
           </p:cNvPr>
@@ -1395,7 +1404,7 @@
           <p:cNvPr id="5" name="Date Placeholder 4">
             <a:extLst>
               <a:ext uri="{FF2B5EF4-FFF2-40B4-BE49-F238E27FC236}">
-                <a16:creationId xmlns:a16="http://schemas.microsoft.com/office/drawing/2014/main" id="{6B5337EA-AB9E-0C4F-87FD-2711667CEB5F}"/>
+                <a16:creationId xmlns="" xmlns:a16="http://schemas.microsoft.com/office/drawing/2014/main" id="{6B5337EA-AB9E-0C4F-87FD-2711667CEB5F}"/>
               </a:ext>
             </a:extLst>
           </p:cNvPr>
@@ -1413,7 +1422,7 @@
           <a:p>
             <a:fld id="{656D41C4-8687-A449-8399-B642F6765D4B}" type="datetimeFigureOut">
               <a:rPr lang="da-DK" smtClean="0"/>
-              <a:t>30/12/2018</a:t>
+              <a:t>16/01/2019</a:t>
             </a:fld>
             <a:endParaRPr lang="da-DK"/>
           </a:p>
@@ -1424,7 +1433,7 @@
           <p:cNvPr id="6" name="Footer Placeholder 5">
             <a:extLst>
               <a:ext uri="{FF2B5EF4-FFF2-40B4-BE49-F238E27FC236}">
-                <a16:creationId xmlns:a16="http://schemas.microsoft.com/office/drawing/2014/main" id="{D6B770FF-8D8D-374F-876A-A4902F3CB6C8}"/>
+                <a16:creationId xmlns="" xmlns:a16="http://schemas.microsoft.com/office/drawing/2014/main" id="{D6B770FF-8D8D-374F-876A-A4902F3CB6C8}"/>
               </a:ext>
             </a:extLst>
           </p:cNvPr>
@@ -1449,7 +1458,7 @@
           <p:cNvPr id="7" name="Slide Number Placeholder 6">
             <a:extLst>
               <a:ext uri="{FF2B5EF4-FFF2-40B4-BE49-F238E27FC236}">
-                <a16:creationId xmlns:a16="http://schemas.microsoft.com/office/drawing/2014/main" id="{033E6DAE-8991-6C43-ABB3-D2CECCCBB67D}"/>
+                <a16:creationId xmlns="" xmlns:a16="http://schemas.microsoft.com/office/drawing/2014/main" id="{033E6DAE-8991-6C43-ABB3-D2CECCCBB67D}"/>
               </a:ext>
             </a:extLst>
           </p:cNvPr>
@@ -1508,7 +1517,7 @@
           <p:cNvPr id="2" name="Title 1">
             <a:extLst>
               <a:ext uri="{FF2B5EF4-FFF2-40B4-BE49-F238E27FC236}">
-                <a16:creationId xmlns:a16="http://schemas.microsoft.com/office/drawing/2014/main" id="{EEBDED52-CADD-994C-B92E-7FFD91DE3968}"/>
+                <a16:creationId xmlns="" xmlns:a16="http://schemas.microsoft.com/office/drawing/2014/main" id="{EEBDED52-CADD-994C-B92E-7FFD91DE3968}"/>
               </a:ext>
             </a:extLst>
           </p:cNvPr>
@@ -1542,7 +1551,7 @@
           <p:cNvPr id="3" name="Text Placeholder 2">
             <a:extLst>
               <a:ext uri="{FF2B5EF4-FFF2-40B4-BE49-F238E27FC236}">
-                <a16:creationId xmlns:a16="http://schemas.microsoft.com/office/drawing/2014/main" id="{3C49077A-4C30-5A49-8A16-A6F0A3FEC4BF}"/>
+                <a16:creationId xmlns="" xmlns:a16="http://schemas.microsoft.com/office/drawing/2014/main" id="{3C49077A-4C30-5A49-8A16-A6F0A3FEC4BF}"/>
               </a:ext>
             </a:extLst>
           </p:cNvPr>
@@ -1613,7 +1622,7 @@
           <p:cNvPr id="4" name="Content Placeholder 3">
             <a:extLst>
               <a:ext uri="{FF2B5EF4-FFF2-40B4-BE49-F238E27FC236}">
-                <a16:creationId xmlns:a16="http://schemas.microsoft.com/office/drawing/2014/main" id="{10C3F361-2FF2-BF46-8209-69E9B342340E}"/>
+                <a16:creationId xmlns="" xmlns:a16="http://schemas.microsoft.com/office/drawing/2014/main" id="{10C3F361-2FF2-BF46-8209-69E9B342340E}"/>
               </a:ext>
             </a:extLst>
           </p:cNvPr>
@@ -1676,7 +1685,7 @@
           <p:cNvPr id="5" name="Text Placeholder 4">
             <a:extLst>
               <a:ext uri="{FF2B5EF4-FFF2-40B4-BE49-F238E27FC236}">
-                <a16:creationId xmlns:a16="http://schemas.microsoft.com/office/drawing/2014/main" id="{AC1F8B8C-92EE-1449-94CF-7AC3758AFEA7}"/>
+                <a16:creationId xmlns="" xmlns:a16="http://schemas.microsoft.com/office/drawing/2014/main" id="{AC1F8B8C-92EE-1449-94CF-7AC3758AFEA7}"/>
               </a:ext>
             </a:extLst>
           </p:cNvPr>
@@ -1747,7 +1756,7 @@
           <p:cNvPr id="6" name="Content Placeholder 5">
             <a:extLst>
               <a:ext uri="{FF2B5EF4-FFF2-40B4-BE49-F238E27FC236}">
-                <a16:creationId xmlns:a16="http://schemas.microsoft.com/office/drawing/2014/main" id="{9E95E7C4-7D16-2144-B3F3-2EA13CDF1DC4}"/>
+                <a16:creationId xmlns="" xmlns:a16="http://schemas.microsoft.com/office/drawing/2014/main" id="{9E95E7C4-7D16-2144-B3F3-2EA13CDF1DC4}"/>
               </a:ext>
             </a:extLst>
           </p:cNvPr>
@@ -1810,7 +1819,7 @@
           <p:cNvPr id="7" name="Date Placeholder 6">
             <a:extLst>
               <a:ext uri="{FF2B5EF4-FFF2-40B4-BE49-F238E27FC236}">
-                <a16:creationId xmlns:a16="http://schemas.microsoft.com/office/drawing/2014/main" id="{FBF247FA-9D1C-EC4C-89E0-84FB3EE5D5BB}"/>
+                <a16:creationId xmlns="" xmlns:a16="http://schemas.microsoft.com/office/drawing/2014/main" id="{FBF247FA-9D1C-EC4C-89E0-84FB3EE5D5BB}"/>
               </a:ext>
             </a:extLst>
           </p:cNvPr>
@@ -1828,7 +1837,7 @@
           <a:p>
             <a:fld id="{656D41C4-8687-A449-8399-B642F6765D4B}" type="datetimeFigureOut">
               <a:rPr lang="da-DK" smtClean="0"/>
-              <a:t>30/12/2018</a:t>
+              <a:t>16/01/2019</a:t>
             </a:fld>
             <a:endParaRPr lang="da-DK"/>
           </a:p>
@@ -1839,7 +1848,7 @@
           <p:cNvPr id="8" name="Footer Placeholder 7">
             <a:extLst>
               <a:ext uri="{FF2B5EF4-FFF2-40B4-BE49-F238E27FC236}">
-                <a16:creationId xmlns:a16="http://schemas.microsoft.com/office/drawing/2014/main" id="{A16F6936-5677-B241-9610-8124461BE327}"/>
+                <a16:creationId xmlns="" xmlns:a16="http://schemas.microsoft.com/office/drawing/2014/main" id="{A16F6936-5677-B241-9610-8124461BE327}"/>
               </a:ext>
             </a:extLst>
           </p:cNvPr>
@@ -1864,7 +1873,7 @@
           <p:cNvPr id="9" name="Slide Number Placeholder 8">
             <a:extLst>
               <a:ext uri="{FF2B5EF4-FFF2-40B4-BE49-F238E27FC236}">
-                <a16:creationId xmlns:a16="http://schemas.microsoft.com/office/drawing/2014/main" id="{3EA05345-7150-4C45-A4F2-54325C3B96B3}"/>
+                <a16:creationId xmlns="" xmlns:a16="http://schemas.microsoft.com/office/drawing/2014/main" id="{3EA05345-7150-4C45-A4F2-54325C3B96B3}"/>
               </a:ext>
             </a:extLst>
           </p:cNvPr>
@@ -1923,7 +1932,7 @@
           <p:cNvPr id="2" name="Title 1">
             <a:extLst>
               <a:ext uri="{FF2B5EF4-FFF2-40B4-BE49-F238E27FC236}">
-                <a16:creationId xmlns:a16="http://schemas.microsoft.com/office/drawing/2014/main" id="{849F4944-4CF7-6148-A0FC-7B089A9FC260}"/>
+                <a16:creationId xmlns="" xmlns:a16="http://schemas.microsoft.com/office/drawing/2014/main" id="{849F4944-4CF7-6148-A0FC-7B089A9FC260}"/>
               </a:ext>
             </a:extLst>
           </p:cNvPr>
@@ -1952,7 +1961,7 @@
           <p:cNvPr id="3" name="Date Placeholder 2">
             <a:extLst>
               <a:ext uri="{FF2B5EF4-FFF2-40B4-BE49-F238E27FC236}">
-                <a16:creationId xmlns:a16="http://schemas.microsoft.com/office/drawing/2014/main" id="{97E67263-9ABE-244D-8079-F17F3B98A094}"/>
+                <a16:creationId xmlns="" xmlns:a16="http://schemas.microsoft.com/office/drawing/2014/main" id="{97E67263-9ABE-244D-8079-F17F3B98A094}"/>
               </a:ext>
             </a:extLst>
           </p:cNvPr>
@@ -1970,7 +1979,7 @@
           <a:p>
             <a:fld id="{656D41C4-8687-A449-8399-B642F6765D4B}" type="datetimeFigureOut">
               <a:rPr lang="da-DK" smtClean="0"/>
-              <a:t>30/12/2018</a:t>
+              <a:t>16/01/2019</a:t>
             </a:fld>
             <a:endParaRPr lang="da-DK"/>
           </a:p>
@@ -1981,7 +1990,7 @@
           <p:cNvPr id="4" name="Footer Placeholder 3">
             <a:extLst>
               <a:ext uri="{FF2B5EF4-FFF2-40B4-BE49-F238E27FC236}">
-                <a16:creationId xmlns:a16="http://schemas.microsoft.com/office/drawing/2014/main" id="{700B17E3-6262-CD44-BB37-4D9557ACB134}"/>
+                <a16:creationId xmlns="" xmlns:a16="http://schemas.microsoft.com/office/drawing/2014/main" id="{700B17E3-6262-CD44-BB37-4D9557ACB134}"/>
               </a:ext>
             </a:extLst>
           </p:cNvPr>
@@ -2006,7 +2015,7 @@
           <p:cNvPr id="5" name="Slide Number Placeholder 4">
             <a:extLst>
               <a:ext uri="{FF2B5EF4-FFF2-40B4-BE49-F238E27FC236}">
-                <a16:creationId xmlns:a16="http://schemas.microsoft.com/office/drawing/2014/main" id="{55775A81-4903-0B49-99B9-41962BF32E79}"/>
+                <a16:creationId xmlns="" xmlns:a16="http://schemas.microsoft.com/office/drawing/2014/main" id="{55775A81-4903-0B49-99B9-41962BF32E79}"/>
               </a:ext>
             </a:extLst>
           </p:cNvPr>
@@ -2065,7 +2074,7 @@
           <p:cNvPr id="2" name="Date Placeholder 1">
             <a:extLst>
               <a:ext uri="{FF2B5EF4-FFF2-40B4-BE49-F238E27FC236}">
-                <a16:creationId xmlns:a16="http://schemas.microsoft.com/office/drawing/2014/main" id="{25EF91A0-CC6F-614D-85B8-FBFEA1C79B67}"/>
+                <a16:creationId xmlns="" xmlns:a16="http://schemas.microsoft.com/office/drawing/2014/main" id="{25EF91A0-CC6F-614D-85B8-FBFEA1C79B67}"/>
               </a:ext>
             </a:extLst>
           </p:cNvPr>
@@ -2083,7 +2092,7 @@
           <a:p>
             <a:fld id="{656D41C4-8687-A449-8399-B642F6765D4B}" type="datetimeFigureOut">
               <a:rPr lang="da-DK" smtClean="0"/>
-              <a:t>30/12/2018</a:t>
+              <a:t>16/01/2019</a:t>
             </a:fld>
             <a:endParaRPr lang="da-DK"/>
           </a:p>
@@ -2094,7 +2103,7 @@
           <p:cNvPr id="3" name="Footer Placeholder 2">
             <a:extLst>
               <a:ext uri="{FF2B5EF4-FFF2-40B4-BE49-F238E27FC236}">
-                <a16:creationId xmlns:a16="http://schemas.microsoft.com/office/drawing/2014/main" id="{F2C9FB9D-CA61-3343-A7D5-40FEA0AE1212}"/>
+                <a16:creationId xmlns="" xmlns:a16="http://schemas.microsoft.com/office/drawing/2014/main" id="{F2C9FB9D-CA61-3343-A7D5-40FEA0AE1212}"/>
               </a:ext>
             </a:extLst>
           </p:cNvPr>
@@ -2119,7 +2128,7 @@
           <p:cNvPr id="4" name="Slide Number Placeholder 3">
             <a:extLst>
               <a:ext uri="{FF2B5EF4-FFF2-40B4-BE49-F238E27FC236}">
-                <a16:creationId xmlns:a16="http://schemas.microsoft.com/office/drawing/2014/main" id="{44D6B6BC-F9E7-824A-BF75-5CAFFB192AF6}"/>
+                <a16:creationId xmlns="" xmlns:a16="http://schemas.microsoft.com/office/drawing/2014/main" id="{44D6B6BC-F9E7-824A-BF75-5CAFFB192AF6}"/>
               </a:ext>
             </a:extLst>
           </p:cNvPr>
@@ -2178,7 +2187,7 @@
           <p:cNvPr id="2" name="Title 1">
             <a:extLst>
               <a:ext uri="{FF2B5EF4-FFF2-40B4-BE49-F238E27FC236}">
-                <a16:creationId xmlns:a16="http://schemas.microsoft.com/office/drawing/2014/main" id="{F2DEEEE5-1E44-D54D-AFE0-BE8DED963BAD}"/>
+                <a16:creationId xmlns="" xmlns:a16="http://schemas.microsoft.com/office/drawing/2014/main" id="{F2DEEEE5-1E44-D54D-AFE0-BE8DED963BAD}"/>
               </a:ext>
             </a:extLst>
           </p:cNvPr>
@@ -2216,7 +2225,7 @@
           <p:cNvPr id="3" name="Content Placeholder 2">
             <a:extLst>
               <a:ext uri="{FF2B5EF4-FFF2-40B4-BE49-F238E27FC236}">
-                <a16:creationId xmlns:a16="http://schemas.microsoft.com/office/drawing/2014/main" id="{082104BE-0416-B343-A298-D5FEEBC423B3}"/>
+                <a16:creationId xmlns="" xmlns:a16="http://schemas.microsoft.com/office/drawing/2014/main" id="{082104BE-0416-B343-A298-D5FEEBC423B3}"/>
               </a:ext>
             </a:extLst>
           </p:cNvPr>
@@ -2307,7 +2316,7 @@
           <p:cNvPr id="4" name="Text Placeholder 3">
             <a:extLst>
               <a:ext uri="{FF2B5EF4-FFF2-40B4-BE49-F238E27FC236}">
-                <a16:creationId xmlns:a16="http://schemas.microsoft.com/office/drawing/2014/main" id="{CAADA0E5-E967-F044-B90F-C98C158FA4F0}"/>
+                <a16:creationId xmlns="" xmlns:a16="http://schemas.microsoft.com/office/drawing/2014/main" id="{CAADA0E5-E967-F044-B90F-C98C158FA4F0}"/>
               </a:ext>
             </a:extLst>
           </p:cNvPr>
@@ -2378,7 +2387,7 @@
           <p:cNvPr id="5" name="Date Placeholder 4">
             <a:extLst>
               <a:ext uri="{FF2B5EF4-FFF2-40B4-BE49-F238E27FC236}">
-                <a16:creationId xmlns:a16="http://schemas.microsoft.com/office/drawing/2014/main" id="{9BDDE9A8-18A9-8E41-A023-38338012EFF3}"/>
+                <a16:creationId xmlns="" xmlns:a16="http://schemas.microsoft.com/office/drawing/2014/main" id="{9BDDE9A8-18A9-8E41-A023-38338012EFF3}"/>
               </a:ext>
             </a:extLst>
           </p:cNvPr>
@@ -2396,7 +2405,7 @@
           <a:p>
             <a:fld id="{656D41C4-8687-A449-8399-B642F6765D4B}" type="datetimeFigureOut">
               <a:rPr lang="da-DK" smtClean="0"/>
-              <a:t>30/12/2018</a:t>
+              <a:t>16/01/2019</a:t>
             </a:fld>
             <a:endParaRPr lang="da-DK"/>
           </a:p>
@@ -2407,7 +2416,7 @@
           <p:cNvPr id="6" name="Footer Placeholder 5">
             <a:extLst>
               <a:ext uri="{FF2B5EF4-FFF2-40B4-BE49-F238E27FC236}">
-                <a16:creationId xmlns:a16="http://schemas.microsoft.com/office/drawing/2014/main" id="{3B2F2839-5F78-034A-8ADC-4389EC887E5B}"/>
+                <a16:creationId xmlns="" xmlns:a16="http://schemas.microsoft.com/office/drawing/2014/main" id="{3B2F2839-5F78-034A-8ADC-4389EC887E5B}"/>
               </a:ext>
             </a:extLst>
           </p:cNvPr>
@@ -2432,7 +2441,7 @@
           <p:cNvPr id="7" name="Slide Number Placeholder 6">
             <a:extLst>
               <a:ext uri="{FF2B5EF4-FFF2-40B4-BE49-F238E27FC236}">
-                <a16:creationId xmlns:a16="http://schemas.microsoft.com/office/drawing/2014/main" id="{CA3A831D-5928-A141-B66E-B8A617A7CEC7}"/>
+                <a16:creationId xmlns="" xmlns:a16="http://schemas.microsoft.com/office/drawing/2014/main" id="{CA3A831D-5928-A141-B66E-B8A617A7CEC7}"/>
               </a:ext>
             </a:extLst>
           </p:cNvPr>
@@ -2491,7 +2500,7 @@
           <p:cNvPr id="2" name="Title 1">
             <a:extLst>
               <a:ext uri="{FF2B5EF4-FFF2-40B4-BE49-F238E27FC236}">
-                <a16:creationId xmlns:a16="http://schemas.microsoft.com/office/drawing/2014/main" id="{64AF63C3-61F6-2148-AAC4-064EED33DD70}"/>
+                <a16:creationId xmlns="" xmlns:a16="http://schemas.microsoft.com/office/drawing/2014/main" id="{64AF63C3-61F6-2148-AAC4-064EED33DD70}"/>
               </a:ext>
             </a:extLst>
           </p:cNvPr>
@@ -2529,7 +2538,7 @@
           <p:cNvPr id="3" name="Picture Placeholder 2">
             <a:extLst>
               <a:ext uri="{FF2B5EF4-FFF2-40B4-BE49-F238E27FC236}">
-                <a16:creationId xmlns:a16="http://schemas.microsoft.com/office/drawing/2014/main" id="{AF1E5D63-D8A8-8349-948C-F779C509D941}"/>
+                <a16:creationId xmlns="" xmlns:a16="http://schemas.microsoft.com/office/drawing/2014/main" id="{AF1E5D63-D8A8-8349-948C-F779C509D941}"/>
               </a:ext>
             </a:extLst>
           </p:cNvPr>
@@ -2596,7 +2605,7 @@
           <p:cNvPr id="4" name="Text Placeholder 3">
             <a:extLst>
               <a:ext uri="{FF2B5EF4-FFF2-40B4-BE49-F238E27FC236}">
-                <a16:creationId xmlns:a16="http://schemas.microsoft.com/office/drawing/2014/main" id="{87042C46-3B61-9049-9EC4-50E4A57D2FDD}"/>
+                <a16:creationId xmlns="" xmlns:a16="http://schemas.microsoft.com/office/drawing/2014/main" id="{87042C46-3B61-9049-9EC4-50E4A57D2FDD}"/>
               </a:ext>
             </a:extLst>
           </p:cNvPr>
@@ -2667,7 +2676,7 @@
           <p:cNvPr id="5" name="Date Placeholder 4">
             <a:extLst>
               <a:ext uri="{FF2B5EF4-FFF2-40B4-BE49-F238E27FC236}">
-                <a16:creationId xmlns:a16="http://schemas.microsoft.com/office/drawing/2014/main" id="{7F2761B3-91A8-CA45-B997-7266A5E094E2}"/>
+                <a16:creationId xmlns="" xmlns:a16="http://schemas.microsoft.com/office/drawing/2014/main" id="{7F2761B3-91A8-CA45-B997-7266A5E094E2}"/>
               </a:ext>
             </a:extLst>
           </p:cNvPr>
@@ -2685,7 +2694,7 @@
           <a:p>
             <a:fld id="{656D41C4-8687-A449-8399-B642F6765D4B}" type="datetimeFigureOut">
               <a:rPr lang="da-DK" smtClean="0"/>
-              <a:t>30/12/2018</a:t>
+              <a:t>16/01/2019</a:t>
             </a:fld>
             <a:endParaRPr lang="da-DK"/>
           </a:p>
@@ -2696,7 +2705,7 @@
           <p:cNvPr id="6" name="Footer Placeholder 5">
             <a:extLst>
               <a:ext uri="{FF2B5EF4-FFF2-40B4-BE49-F238E27FC236}">
-                <a16:creationId xmlns:a16="http://schemas.microsoft.com/office/drawing/2014/main" id="{ECA3043D-141A-C942-B10C-AFB6409F88B3}"/>
+                <a16:creationId xmlns="" xmlns:a16="http://schemas.microsoft.com/office/drawing/2014/main" id="{ECA3043D-141A-C942-B10C-AFB6409F88B3}"/>
               </a:ext>
             </a:extLst>
           </p:cNvPr>
@@ -2721,7 +2730,7 @@
           <p:cNvPr id="7" name="Slide Number Placeholder 6">
             <a:extLst>
               <a:ext uri="{FF2B5EF4-FFF2-40B4-BE49-F238E27FC236}">
-                <a16:creationId xmlns:a16="http://schemas.microsoft.com/office/drawing/2014/main" id="{F718E59E-10B5-254A-8F1A-FE546024392F}"/>
+                <a16:creationId xmlns="" xmlns:a16="http://schemas.microsoft.com/office/drawing/2014/main" id="{F718E59E-10B5-254A-8F1A-FE546024392F}"/>
               </a:ext>
             </a:extLst>
           </p:cNvPr>
@@ -2785,7 +2794,7 @@
           <p:cNvPr id="2" name="Title Placeholder 1">
             <a:extLst>
               <a:ext uri="{FF2B5EF4-FFF2-40B4-BE49-F238E27FC236}">
-                <a16:creationId xmlns:a16="http://schemas.microsoft.com/office/drawing/2014/main" id="{D1DFE74C-AA7C-C04E-861A-28EFD125E311}"/>
+                <a16:creationId xmlns="" xmlns:a16="http://schemas.microsoft.com/office/drawing/2014/main" id="{D1DFE74C-AA7C-C04E-861A-28EFD125E311}"/>
               </a:ext>
             </a:extLst>
           </p:cNvPr>
@@ -2824,7 +2833,7 @@
           <p:cNvPr id="3" name="Text Placeholder 2">
             <a:extLst>
               <a:ext uri="{FF2B5EF4-FFF2-40B4-BE49-F238E27FC236}">
-                <a16:creationId xmlns:a16="http://schemas.microsoft.com/office/drawing/2014/main" id="{B2486652-4A91-8E4B-8D79-FEE7B0B93AA0}"/>
+                <a16:creationId xmlns="" xmlns:a16="http://schemas.microsoft.com/office/drawing/2014/main" id="{B2486652-4A91-8E4B-8D79-FEE7B0B93AA0}"/>
               </a:ext>
             </a:extLst>
           </p:cNvPr>
@@ -2892,7 +2901,7 @@
           <p:cNvPr id="4" name="Date Placeholder 3">
             <a:extLst>
               <a:ext uri="{FF2B5EF4-FFF2-40B4-BE49-F238E27FC236}">
-                <a16:creationId xmlns:a16="http://schemas.microsoft.com/office/drawing/2014/main" id="{8E53B701-A616-4945-9C8E-936959E3A139}"/>
+                <a16:creationId xmlns="" xmlns:a16="http://schemas.microsoft.com/office/drawing/2014/main" id="{8E53B701-A616-4945-9C8E-936959E3A139}"/>
               </a:ext>
             </a:extLst>
           </p:cNvPr>
@@ -2928,7 +2937,7 @@
           <a:p>
             <a:fld id="{656D41C4-8687-A449-8399-B642F6765D4B}" type="datetimeFigureOut">
               <a:rPr lang="da-DK" smtClean="0"/>
-              <a:t>30/12/2018</a:t>
+              <a:t>16/01/2019</a:t>
             </a:fld>
             <a:endParaRPr lang="da-DK"/>
           </a:p>
@@ -2939,7 +2948,7 @@
           <p:cNvPr id="5" name="Footer Placeholder 4">
             <a:extLst>
               <a:ext uri="{FF2B5EF4-FFF2-40B4-BE49-F238E27FC236}">
-                <a16:creationId xmlns:a16="http://schemas.microsoft.com/office/drawing/2014/main" id="{CD2D9097-2FA1-8944-A963-B3F39145BA94}"/>
+                <a16:creationId xmlns="" xmlns:a16="http://schemas.microsoft.com/office/drawing/2014/main" id="{CD2D9097-2FA1-8944-A963-B3F39145BA94}"/>
               </a:ext>
             </a:extLst>
           </p:cNvPr>
@@ -2982,7 +2991,7 @@
           <p:cNvPr id="6" name="Slide Number Placeholder 5">
             <a:extLst>
               <a:ext uri="{FF2B5EF4-FFF2-40B4-BE49-F238E27FC236}">
-                <a16:creationId xmlns:a16="http://schemas.microsoft.com/office/drawing/2014/main" id="{F2CA9114-49D2-7546-BFDB-06DBB7DD0EC1}"/>
+                <a16:creationId xmlns="" xmlns:a16="http://schemas.microsoft.com/office/drawing/2014/main" id="{F2CA9114-49D2-7546-BFDB-06DBB7DD0EC1}"/>
               </a:ext>
             </a:extLst>
           </p:cNvPr>
@@ -3361,17 +3370,14 @@
           <a:lstStyle/>
           <a:p>
             <a:r>
-              <a:rPr lang="en-US" dirty="0"/>
-              <a:t>TiO</a:t>
-            </a:r>
-            <a:r>
-              <a:rPr lang="en-US" baseline="-25000" dirty="0"/>
-              <a:t>2</a:t>
-            </a:r>
-            <a:r>
-              <a:rPr lang="en-US" dirty="0"/>
-              <a:t> double step</a:t>
-            </a:r>
+              <a:rPr lang="en-US" dirty="0" smtClean="0"/>
+              <a:t>Step - </a:t>
+            </a:r>
+            <a:r>
+              <a:rPr lang="en-US" dirty="0" err="1" smtClean="0"/>
+              <a:t>FixedTerrace</a:t>
+            </a:r>
+            <a:endParaRPr lang="en-US" dirty="0"/>
           </a:p>
         </p:txBody>
       </p:sp>
@@ -3396,9 +3402,9 @@
           </a:stretch>
         </p:blipFill>
         <p:spPr>
-          <a:xfrm rot="5400000">
-            <a:off x="2663405" y="3682980"/>
-            <a:ext cx="1367032" cy="2537995"/>
+          <a:xfrm>
+            <a:off x="1104632" y="2656952"/>
+            <a:ext cx="3761096" cy="2065287"/>
           </a:xfrm>
           <a:prstGeom prst="rect">
             <a:avLst/>
@@ -3413,37 +3419,8 @@
           </p:cNvPicPr>
           <p:nvPr/>
         </p:nvPicPr>
-        <p:blipFill rotWithShape="1">
+        <p:blipFill>
           <a:blip r:embed="rId3">
-            <a:extLst>
-              <a:ext uri="{28A0092B-C50C-407E-A947-70E740481C1C}">
-                <a14:useLocalDpi xmlns:a14="http://schemas.microsoft.com/office/drawing/2010/main" val="0"/>
-              </a:ext>
-            </a:extLst>
-          </a:blip>
-          <a:srcRect t="23786"/>
-          <a:stretch/>
-        </p:blipFill>
-        <p:spPr>
-          <a:xfrm>
-            <a:off x="2077923" y="2243288"/>
-            <a:ext cx="2537996" cy="1520698"/>
-          </a:xfrm>
-          <a:prstGeom prst="rect">
-            <a:avLst/>
-          </a:prstGeom>
-        </p:spPr>
-      </p:pic>
-      <p:pic>
-        <p:nvPicPr>
-          <p:cNvPr id="5" name="Picture 4" descr="period.png"/>
-          <p:cNvPicPr>
-            <a:picLocks noChangeAspect="1"/>
-          </p:cNvPicPr>
-          <p:nvPr/>
-        </p:nvPicPr>
-        <p:blipFill>
-          <a:blip r:embed="rId4">
             <a:extLst>
               <a:ext uri="{28A0092B-C50C-407E-A947-70E740481C1C}">
                 <a14:useLocalDpi xmlns:a14="http://schemas.microsoft.com/office/drawing/2010/main" val="0"/>
@@ -3455,107 +3432,19 @@
           </a:stretch>
         </p:blipFill>
         <p:spPr>
-          <a:xfrm>
-            <a:off x="5894359" y="3545208"/>
-            <a:ext cx="4762968" cy="2674488"/>
+          <a:xfrm rot="5400000">
+            <a:off x="6702124" y="1782104"/>
+            <a:ext cx="1796983" cy="3814985"/>
           </a:xfrm>
           <a:prstGeom prst="rect">
             <a:avLst/>
           </a:prstGeom>
         </p:spPr>
       </p:pic>
-      <p:pic>
-        <p:nvPicPr>
-          <p:cNvPr id="6" name="Picture 5" descr="Screen Shot 2016-11-24 at 11.42.50.png"/>
-          <p:cNvPicPr>
-            <a:picLocks noChangeAspect="1"/>
-          </p:cNvPicPr>
-          <p:nvPr/>
-        </p:nvPicPr>
-        <p:blipFill>
-          <a:blip r:embed="rId5">
-            <a:extLst>
-              <a:ext uri="{28A0092B-C50C-407E-A947-70E740481C1C}">
-                <a14:useLocalDpi xmlns:a14="http://schemas.microsoft.com/office/drawing/2010/main" val="0"/>
-              </a:ext>
-            </a:extLst>
-          </a:blip>
-          <a:stretch>
-            <a:fillRect/>
-          </a:stretch>
-        </p:blipFill>
-        <p:spPr>
-          <a:xfrm>
-            <a:off x="5727805" y="1068566"/>
-            <a:ext cx="5042864" cy="2253194"/>
-          </a:xfrm>
-          <a:prstGeom prst="rect">
-            <a:avLst/>
-          </a:prstGeom>
-        </p:spPr>
-      </p:pic>
-      <p:sp>
-        <p:nvSpPr>
-          <p:cNvPr id="7" name="TextBox 6"/>
-          <p:cNvSpPr txBox="1"/>
-          <p:nvPr/>
-        </p:nvSpPr>
-        <p:spPr>
-          <a:xfrm>
-            <a:off x="1236676" y="2769482"/>
-            <a:ext cx="643125" cy="369332"/>
-          </a:xfrm>
-          <a:prstGeom prst="rect">
-            <a:avLst/>
-          </a:prstGeom>
-          <a:noFill/>
-        </p:spPr>
-        <p:txBody>
-          <a:bodyPr wrap="none" rtlCol="0">
-            <a:spAutoFit/>
-          </a:bodyPr>
-          <a:lstStyle/>
-          <a:p>
-            <a:r>
-              <a:rPr lang="en-US"/>
-              <a:t>Side:</a:t>
-            </a:r>
-          </a:p>
-        </p:txBody>
-      </p:sp>
-      <p:sp>
-        <p:nvSpPr>
-          <p:cNvPr id="8" name="TextBox 7"/>
-          <p:cNvSpPr txBox="1"/>
-          <p:nvPr/>
-        </p:nvSpPr>
-        <p:spPr>
-          <a:xfrm>
-            <a:off x="1236676" y="4719186"/>
-            <a:ext cx="582724" cy="369332"/>
-          </a:xfrm>
-          <a:prstGeom prst="rect">
-            <a:avLst/>
-          </a:prstGeom>
-          <a:noFill/>
-        </p:spPr>
-        <p:txBody>
-          <a:bodyPr wrap="none" rtlCol="0">
-            <a:spAutoFit/>
-          </a:bodyPr>
-          <a:lstStyle/>
-          <a:p>
-            <a:r>
-              <a:rPr lang="en-US" dirty="0"/>
-              <a:t>Top:</a:t>
-            </a:r>
-          </a:p>
-        </p:txBody>
-      </p:sp>
     </p:spTree>
     <p:extLst>
       <p:ext uri="{BB962C8B-B14F-4D97-AF65-F5344CB8AC3E}">
-        <p14:creationId xmlns:p14="http://schemas.microsoft.com/office/powerpoint/2010/main" val="3023912937"/>
+        <p14:creationId xmlns:p14="http://schemas.microsoft.com/office/powerpoint/2010/main" val="943756348"/>
       </p:ext>
     </p:extLst>
   </p:cSld>
@@ -3582,15 +3471,39 @@
           <a:chExt cx="0" cy="0"/>
         </a:xfrm>
       </p:grpSpPr>
+      <p:sp>
+        <p:nvSpPr>
+          <p:cNvPr id="2" name="Title 1"/>
+          <p:cNvSpPr>
+            <a:spLocks noGrp="1"/>
+          </p:cNvSpPr>
+          <p:nvPr>
+            <p:ph type="title"/>
+          </p:nvPr>
+        </p:nvSpPr>
+        <p:spPr/>
+        <p:txBody>
+          <a:bodyPr/>
+          <a:lstStyle/>
+          <a:p>
+            <a:r>
+              <a:rPr lang="en-US" dirty="0"/>
+              <a:t>TiO</a:t>
+            </a:r>
+            <a:r>
+              <a:rPr lang="en-US" baseline="-25000" dirty="0"/>
+              <a:t>2</a:t>
+            </a:r>
+            <a:r>
+              <a:rPr lang="en-US" dirty="0"/>
+              <a:t> double step</a:t>
+            </a:r>
+          </a:p>
+        </p:txBody>
+      </p:sp>
       <p:pic>
         <p:nvPicPr>
-          <p:cNvPr id="8" name="Picture 7" descr="period.png">
-            <a:extLst>
-              <a:ext uri="{FF2B5EF4-FFF2-40B4-BE49-F238E27FC236}">
-                <a16:creationId xmlns:a16="http://schemas.microsoft.com/office/drawing/2014/main" id="{146DA4FE-D614-7A4E-BD75-BF1A85077197}"/>
-              </a:ext>
-            </a:extLst>
-          </p:cNvPr>
+          <p:cNvPr id="3" name="Picture 2"/>
           <p:cNvPicPr>
             <a:picLocks noChangeAspect="1"/>
           </p:cNvPicPr>
@@ -3609,19 +3522,166 @@
           </a:stretch>
         </p:blipFill>
         <p:spPr>
-          <a:xfrm>
-            <a:off x="678879" y="1219203"/>
-            <a:ext cx="10848104" cy="4826250"/>
+          <a:xfrm rot="5400000">
+            <a:off x="2663405" y="3682980"/>
+            <a:ext cx="1367032" cy="2537995"/>
           </a:xfrm>
           <a:prstGeom prst="rect">
             <a:avLst/>
           </a:prstGeom>
         </p:spPr>
       </p:pic>
+      <p:pic>
+        <p:nvPicPr>
+          <p:cNvPr id="4" name="Picture 3"/>
+          <p:cNvPicPr>
+            <a:picLocks noChangeAspect="1"/>
+          </p:cNvPicPr>
+          <p:nvPr/>
+        </p:nvPicPr>
+        <p:blipFill rotWithShape="1">
+          <a:blip r:embed="rId3">
+            <a:extLst>
+              <a:ext uri="{28A0092B-C50C-407E-A947-70E740481C1C}">
+                <a14:useLocalDpi xmlns:a14="http://schemas.microsoft.com/office/drawing/2010/main" val="0"/>
+              </a:ext>
+            </a:extLst>
+          </a:blip>
+          <a:srcRect t="23786"/>
+          <a:stretch/>
+        </p:blipFill>
+        <p:spPr>
+          <a:xfrm>
+            <a:off x="2077923" y="2243288"/>
+            <a:ext cx="2537996" cy="1520698"/>
+          </a:xfrm>
+          <a:prstGeom prst="rect">
+            <a:avLst/>
+          </a:prstGeom>
+        </p:spPr>
+      </p:pic>
+      <p:pic>
+        <p:nvPicPr>
+          <p:cNvPr id="5" name="Picture 4" descr="period.png"/>
+          <p:cNvPicPr>
+            <a:picLocks noChangeAspect="1"/>
+          </p:cNvPicPr>
+          <p:nvPr/>
+        </p:nvPicPr>
+        <p:blipFill>
+          <a:blip r:embed="rId4">
+            <a:extLst>
+              <a:ext uri="{28A0092B-C50C-407E-A947-70E740481C1C}">
+                <a14:useLocalDpi xmlns:a14="http://schemas.microsoft.com/office/drawing/2010/main" val="0"/>
+              </a:ext>
+            </a:extLst>
+          </a:blip>
+          <a:stretch>
+            <a:fillRect/>
+          </a:stretch>
+        </p:blipFill>
+        <p:spPr>
+          <a:xfrm>
+            <a:off x="5894359" y="3545208"/>
+            <a:ext cx="4762968" cy="2674488"/>
+          </a:xfrm>
+          <a:prstGeom prst="rect">
+            <a:avLst/>
+          </a:prstGeom>
+        </p:spPr>
+      </p:pic>
+      <p:pic>
+        <p:nvPicPr>
+          <p:cNvPr id="6" name="Picture 5" descr="Screen Shot 2016-11-24 at 11.42.50.png"/>
+          <p:cNvPicPr>
+            <a:picLocks noChangeAspect="1"/>
+          </p:cNvPicPr>
+          <p:nvPr/>
+        </p:nvPicPr>
+        <p:blipFill>
+          <a:blip r:embed="rId5">
+            <a:extLst>
+              <a:ext uri="{28A0092B-C50C-407E-A947-70E740481C1C}">
+                <a14:useLocalDpi xmlns:a14="http://schemas.microsoft.com/office/drawing/2010/main" val="0"/>
+              </a:ext>
+            </a:extLst>
+          </a:blip>
+          <a:stretch>
+            <a:fillRect/>
+          </a:stretch>
+        </p:blipFill>
+        <p:spPr>
+          <a:xfrm>
+            <a:off x="5727805" y="1068566"/>
+            <a:ext cx="5042864" cy="2253194"/>
+          </a:xfrm>
+          <a:prstGeom prst="rect">
+            <a:avLst/>
+          </a:prstGeom>
+        </p:spPr>
+      </p:pic>
+      <p:sp>
+        <p:nvSpPr>
+          <p:cNvPr id="7" name="TextBox 6"/>
+          <p:cNvSpPr txBox="1"/>
+          <p:nvPr/>
+        </p:nvSpPr>
+        <p:spPr>
+          <a:xfrm>
+            <a:off x="1236676" y="2769482"/>
+            <a:ext cx="643125" cy="369332"/>
+          </a:xfrm>
+          <a:prstGeom prst="rect">
+            <a:avLst/>
+          </a:prstGeom>
+          <a:noFill/>
+        </p:spPr>
+        <p:txBody>
+          <a:bodyPr wrap="none" rtlCol="0">
+            <a:spAutoFit/>
+          </a:bodyPr>
+          <a:lstStyle/>
+          <a:p>
+            <a:r>
+              <a:rPr lang="en-US"/>
+              <a:t>Side:</a:t>
+            </a:r>
+          </a:p>
+        </p:txBody>
+      </p:sp>
+      <p:sp>
+        <p:nvSpPr>
+          <p:cNvPr id="8" name="TextBox 7"/>
+          <p:cNvSpPr txBox="1"/>
+          <p:nvPr/>
+        </p:nvSpPr>
+        <p:spPr>
+          <a:xfrm>
+            <a:off x="1236676" y="4719186"/>
+            <a:ext cx="582724" cy="369332"/>
+          </a:xfrm>
+          <a:prstGeom prst="rect">
+            <a:avLst/>
+          </a:prstGeom>
+          <a:noFill/>
+        </p:spPr>
+        <p:txBody>
+          <a:bodyPr wrap="none" rtlCol="0">
+            <a:spAutoFit/>
+          </a:bodyPr>
+          <a:lstStyle/>
+          <a:p>
+            <a:r>
+              <a:rPr lang="en-US" dirty="0"/>
+              <a:t>Top:</a:t>
+            </a:r>
+          </a:p>
+        </p:txBody>
+      </p:sp>
     </p:spTree>
     <p:extLst>
       <p:ext uri="{BB962C8B-B14F-4D97-AF65-F5344CB8AC3E}">
-        <p14:creationId xmlns:p14="http://schemas.microsoft.com/office/powerpoint/2010/main" val="365356818"/>
+        <p14:creationId xmlns:p14="http://schemas.microsoft.com/office/powerpoint/2010/main" val="3023912937"/>
       </p:ext>
     </p:extLst>
   </p:cSld>
@@ -3650,10 +3710,10 @@
       </p:grpSpPr>
       <p:pic>
         <p:nvPicPr>
-          <p:cNvPr id="6" name="Picture 5" descr="period.png">
-            <a:extLst>
-              <a:ext uri="{FF2B5EF4-FFF2-40B4-BE49-F238E27FC236}">
-                <a16:creationId xmlns:a16="http://schemas.microsoft.com/office/drawing/2014/main" id="{20F43A11-2A1C-BB43-9EF7-B45C17BC3001}"/>
+          <p:cNvPr id="8" name="Picture 7" descr="period.png">
+            <a:extLst>
+              <a:ext uri="{FF2B5EF4-FFF2-40B4-BE49-F238E27FC236}">
+                <a16:creationId xmlns="" xmlns:a16="http://schemas.microsoft.com/office/drawing/2014/main" id="{146DA4FE-D614-7A4E-BD75-BF1A85077197}"/>
               </a:ext>
             </a:extLst>
           </p:cNvPr>
@@ -3676,7 +3736,7 @@
         </p:blipFill>
         <p:spPr>
           <a:xfrm>
-            <a:off x="678883" y="1219204"/>
+            <a:off x="678879" y="1219203"/>
             <a:ext cx="10848104" cy="4826250"/>
           </a:xfrm>
           <a:prstGeom prst="rect">
@@ -3684,88 +3744,10 @@
           </a:prstGeom>
         </p:spPr>
       </p:pic>
-      <p:pic>
-        <p:nvPicPr>
-          <p:cNvPr id="16" name="Picture 15">
-            <a:extLst>
-              <a:ext uri="{FF2B5EF4-FFF2-40B4-BE49-F238E27FC236}">
-                <a16:creationId xmlns:a16="http://schemas.microsoft.com/office/drawing/2014/main" id="{3526C5A6-DF9B-1A4F-A456-0B40541D14C7}"/>
-              </a:ext>
-            </a:extLst>
-          </p:cNvPr>
-          <p:cNvPicPr>
-            <a:picLocks noChangeAspect="1"/>
-          </p:cNvPicPr>
-          <p:nvPr/>
-        </p:nvPicPr>
-        <p:blipFill>
-          <a:blip r:embed="rId3"/>
-          <a:stretch>
-            <a:fillRect/>
-          </a:stretch>
-        </p:blipFill>
-        <p:spPr>
-          <a:xfrm>
-            <a:off x="623441" y="1246914"/>
-            <a:ext cx="8970810" cy="4983784"/>
-          </a:xfrm>
-          <a:prstGeom prst="rect">
-            <a:avLst/>
-          </a:prstGeom>
-        </p:spPr>
-      </p:pic>
-      <p:sp>
-        <p:nvSpPr>
-          <p:cNvPr id="17" name="TextBox 16">
-            <a:extLst>
-              <a:ext uri="{FF2B5EF4-FFF2-40B4-BE49-F238E27FC236}">
-                <a16:creationId xmlns:a16="http://schemas.microsoft.com/office/drawing/2014/main" id="{ECF9865E-8797-774C-900C-3FF96CE7B0F2}"/>
-              </a:ext>
-            </a:extLst>
-          </p:cNvPr>
-          <p:cNvSpPr txBox="1"/>
-          <p:nvPr/>
-        </p:nvSpPr>
-        <p:spPr>
-          <a:xfrm>
-            <a:off x="3653319" y="396469"/>
-            <a:ext cx="2911053" cy="461665"/>
-          </a:xfrm>
-          <a:prstGeom prst="rect">
-            <a:avLst/>
-          </a:prstGeom>
-          <a:noFill/>
-        </p:spPr>
-        <p:txBody>
-          <a:bodyPr wrap="none" rtlCol="0">
-            <a:spAutoFit/>
-          </a:bodyPr>
-          <a:lstStyle/>
-          <a:p>
-            <a:r>
-              <a:rPr lang="da-DK" sz="2400" dirty="0"/>
-              <a:t>Add1 – </a:t>
-            </a:r>
-            <a:r>
-              <a:rPr lang="da-DK" sz="2400" dirty="0" err="1"/>
-              <a:t>second</a:t>
-            </a:r>
-            <a:r>
-              <a:rPr lang="da-DK" sz="2400" dirty="0"/>
-              <a:t> </a:t>
-            </a:r>
-            <a:r>
-              <a:rPr lang="da-DK" sz="2400" dirty="0" err="1"/>
-              <a:t>lowest</a:t>
-            </a:r>
-            <a:endParaRPr lang="da-DK" sz="2400" dirty="0"/>
-          </a:p>
-        </p:txBody>
-      </p:sp>
     </p:spTree>
     <p:extLst>
       <p:ext uri="{BB962C8B-B14F-4D97-AF65-F5344CB8AC3E}">
-        <p14:creationId xmlns:p14="http://schemas.microsoft.com/office/powerpoint/2010/main" val="2405528104"/>
+        <p14:creationId xmlns:p14="http://schemas.microsoft.com/office/powerpoint/2010/main" val="365356818"/>
       </p:ext>
     </p:extLst>
   </p:cSld>
@@ -3797,7 +3779,7 @@
           <p:cNvPr id="8" name="Picture 7" descr="period.png">
             <a:extLst>
               <a:ext uri="{FF2B5EF4-FFF2-40B4-BE49-F238E27FC236}">
-                <a16:creationId xmlns:a16="http://schemas.microsoft.com/office/drawing/2014/main" id="{146DA4FE-D614-7A4E-BD75-BF1A85077197}"/>
+                <a16:creationId xmlns="" xmlns:a16="http://schemas.microsoft.com/office/drawing/2014/main" id="{146DA4FE-D614-7A4E-BD75-BF1A85077197}"/>
               </a:ext>
             </a:extLst>
           </p:cNvPr>
@@ -3828,42 +3810,178 @@
           </a:prstGeom>
         </p:spPr>
       </p:pic>
+      <p:sp>
+        <p:nvSpPr>
+          <p:cNvPr id="4" name="TextBox 3">
+            <a:extLst>
+              <a:ext uri="{FF2B5EF4-FFF2-40B4-BE49-F238E27FC236}">
+                <a16:creationId xmlns="" xmlns:a16="http://schemas.microsoft.com/office/drawing/2014/main" id="{ECF9865E-8797-774C-900C-3FF96CE7B0F2}"/>
+              </a:ext>
+            </a:extLst>
+          </p:cNvPr>
+          <p:cNvSpPr txBox="1"/>
+          <p:nvPr/>
+        </p:nvSpPr>
+        <p:spPr>
+          <a:xfrm>
+            <a:off x="3653319" y="396469"/>
+            <a:ext cx="1955664" cy="461665"/>
+          </a:xfrm>
+          <a:prstGeom prst="rect">
+            <a:avLst/>
+          </a:prstGeom>
+          <a:noFill/>
+        </p:spPr>
+        <p:txBody>
+          <a:bodyPr wrap="none" rtlCol="0">
+            <a:spAutoFit/>
+          </a:bodyPr>
+          <a:lstStyle/>
+          <a:p>
+            <a:r>
+              <a:rPr lang="da-DK" sz="2400" dirty="0"/>
+              <a:t>Add1 – </a:t>
+            </a:r>
+            <a:r>
+              <a:rPr lang="da-DK" sz="2400" dirty="0" err="1" smtClean="0"/>
+              <a:t>lowest</a:t>
+            </a:r>
+            <a:endParaRPr lang="da-DK" sz="2400" dirty="0"/>
+          </a:p>
+        </p:txBody>
+      </p:sp>
       <p:pic>
         <p:nvPicPr>
-          <p:cNvPr id="6" name="Picture 5">
-            <a:extLst>
-              <a:ext uri="{FF2B5EF4-FFF2-40B4-BE49-F238E27FC236}">
-                <a16:creationId xmlns:a16="http://schemas.microsoft.com/office/drawing/2014/main" id="{81B6E754-7197-5649-9843-E5CE0FE678DD}"/>
-              </a:ext>
-            </a:extLst>
-          </p:cNvPr>
+          <p:cNvPr id="3" name="Picture 2"/>
           <p:cNvPicPr>
             <a:picLocks noChangeAspect="1"/>
           </p:cNvPicPr>
           <p:nvPr/>
         </p:nvPicPr>
         <p:blipFill>
-          <a:blip r:embed="rId3"/>
+          <a:blip r:embed="rId3">
+            <a:extLst>
+              <a:ext uri="{28A0092B-C50C-407E-A947-70E740481C1C}">
+                <a14:useLocalDpi xmlns:a14="http://schemas.microsoft.com/office/drawing/2010/main" val="0"/>
+              </a:ext>
+            </a:extLst>
+          </a:blip>
           <a:stretch>
             <a:fillRect/>
           </a:stretch>
         </p:blipFill>
         <p:spPr>
           <a:xfrm>
-            <a:off x="595741" y="1249332"/>
-            <a:ext cx="8973371" cy="4985206"/>
+            <a:off x="287153" y="1345137"/>
+            <a:ext cx="9342752" cy="5190418"/>
           </a:xfrm>
           <a:prstGeom prst="rect">
             <a:avLst/>
           </a:prstGeom>
         </p:spPr>
       </p:pic>
-      <p:sp>
-        <p:nvSpPr>
-          <p:cNvPr id="9" name="TextBox 8">
-            <a:extLst>
-              <a:ext uri="{FF2B5EF4-FFF2-40B4-BE49-F238E27FC236}">
-                <a16:creationId xmlns:a16="http://schemas.microsoft.com/office/drawing/2014/main" id="{D11CFFBF-3035-3F4B-A3FF-A280FD71E4FD}"/>
+    </p:spTree>
+    <p:extLst>
+      <p:ext uri="{BB962C8B-B14F-4D97-AF65-F5344CB8AC3E}">
+        <p14:creationId xmlns:p14="http://schemas.microsoft.com/office/powerpoint/2010/main" val="879673598"/>
+      </p:ext>
+    </p:extLst>
+  </p:cSld>
+  <p:clrMapOvr>
+    <a:masterClrMapping/>
+  </p:clrMapOvr>
+</p:sld>
+</file>
+
+<file path=ppt/slides/slide5.xml><?xml version="1.0" encoding="utf-8"?>
+<p:sld xmlns:a="http://schemas.openxmlformats.org/drawingml/2006/main" xmlns:r="http://schemas.openxmlformats.org/officeDocument/2006/relationships" xmlns:p="http://schemas.openxmlformats.org/presentationml/2006/main">
+  <p:cSld>
+    <p:spTree>
+      <p:nvGrpSpPr>
+        <p:cNvPr id="1" name=""/>
+        <p:cNvGrpSpPr/>
+        <p:nvPr/>
+      </p:nvGrpSpPr>
+      <p:grpSpPr>
+        <a:xfrm>
+          <a:off x="0" y="0"/>
+          <a:ext cx="0" cy="0"/>
+          <a:chOff x="0" y="0"/>
+          <a:chExt cx="0" cy="0"/>
+        </a:xfrm>
+      </p:grpSpPr>
+      <p:pic>
+        <p:nvPicPr>
+          <p:cNvPr id="8" name="Picture 7" descr="period.png">
+            <a:extLst>
+              <a:ext uri="{FF2B5EF4-FFF2-40B4-BE49-F238E27FC236}">
+                <a16:creationId xmlns="" xmlns:a16="http://schemas.microsoft.com/office/drawing/2014/main" id="{146DA4FE-D614-7A4E-BD75-BF1A85077197}"/>
+              </a:ext>
+            </a:extLst>
+          </p:cNvPr>
+          <p:cNvPicPr>
+            <a:picLocks noChangeAspect="1"/>
+          </p:cNvPicPr>
+          <p:nvPr/>
+        </p:nvPicPr>
+        <p:blipFill>
+          <a:blip r:embed="rId2">
+            <a:extLst>
+              <a:ext uri="{28A0092B-C50C-407E-A947-70E740481C1C}">
+                <a14:useLocalDpi xmlns:a14="http://schemas.microsoft.com/office/drawing/2010/main" val="0"/>
+              </a:ext>
+            </a:extLst>
+          </a:blip>
+          <a:stretch>
+            <a:fillRect/>
+          </a:stretch>
+        </p:blipFill>
+        <p:spPr>
+          <a:xfrm>
+            <a:off x="678879" y="1219203"/>
+            <a:ext cx="10848104" cy="4826250"/>
+          </a:xfrm>
+          <a:prstGeom prst="rect">
+            <a:avLst/>
+          </a:prstGeom>
+        </p:spPr>
+      </p:pic>
+      <p:pic>
+        <p:nvPicPr>
+          <p:cNvPr id="2" name="Picture 1"/>
+          <p:cNvPicPr>
+            <a:picLocks noChangeAspect="1"/>
+          </p:cNvPicPr>
+          <p:nvPr/>
+        </p:nvPicPr>
+        <p:blipFill>
+          <a:blip r:embed="rId3">
+            <a:extLst>
+              <a:ext uri="{28A0092B-C50C-407E-A947-70E740481C1C}">
+                <a14:useLocalDpi xmlns:a14="http://schemas.microsoft.com/office/drawing/2010/main" val="0"/>
+              </a:ext>
+            </a:extLst>
+          </a:blip>
+          <a:stretch>
+            <a:fillRect/>
+          </a:stretch>
+        </p:blipFill>
+        <p:spPr>
+          <a:xfrm>
+            <a:off x="267908" y="1364381"/>
+            <a:ext cx="9309235" cy="5171797"/>
+          </a:xfrm>
+          <a:prstGeom prst="rect">
+            <a:avLst/>
+          </a:prstGeom>
+        </p:spPr>
+      </p:pic>
+      <p:sp>
+        <p:nvSpPr>
+          <p:cNvPr id="4" name="TextBox 3">
+            <a:extLst>
+              <a:ext uri="{FF2B5EF4-FFF2-40B4-BE49-F238E27FC236}">
+                <a16:creationId xmlns="" xmlns:a16="http://schemas.microsoft.com/office/drawing/2014/main" id="{ECF9865E-8797-774C-900C-3FF96CE7B0F2}"/>
               </a:ext>
             </a:extLst>
           </p:cNvPr>
@@ -3873,7 +3991,7 @@
         <p:spPr>
           <a:xfrm>
             <a:off x="3653319" y="396469"/>
-            <a:ext cx="2023952" cy="461665"/>
+            <a:ext cx="2911053" cy="461665"/>
           </a:xfrm>
           <a:prstGeom prst="rect">
             <a:avLst/>
@@ -3892,6 +4010,14 @@
             </a:r>
             <a:r>
               <a:rPr lang="da-DK" sz="2400" dirty="0" err="1"/>
+              <a:t>second</a:t>
+            </a:r>
+            <a:r>
+              <a:rPr lang="da-DK" sz="2400" dirty="0"/>
+              <a:t> </a:t>
+            </a:r>
+            <a:r>
+              <a:rPr lang="da-DK" sz="2400" dirty="0" err="1"/>
               <a:t>lowest</a:t>
             </a:r>
             <a:endParaRPr lang="da-DK" sz="2400" dirty="0"/>
@@ -3901,7 +4027,417 @@
     </p:spTree>
     <p:extLst>
       <p:ext uri="{BB962C8B-B14F-4D97-AF65-F5344CB8AC3E}">
-        <p14:creationId xmlns:p14="http://schemas.microsoft.com/office/powerpoint/2010/main" val="169267412"/>
+        <p14:creationId xmlns:p14="http://schemas.microsoft.com/office/powerpoint/2010/main" val="541989751"/>
+      </p:ext>
+    </p:extLst>
+  </p:cSld>
+  <p:clrMapOvr>
+    <a:masterClrMapping/>
+  </p:clrMapOvr>
+</p:sld>
+</file>
+
+<file path=ppt/slides/slide6.xml><?xml version="1.0" encoding="utf-8"?>
+<p:sld xmlns:a="http://schemas.openxmlformats.org/drawingml/2006/main" xmlns:r="http://schemas.openxmlformats.org/officeDocument/2006/relationships" xmlns:p="http://schemas.openxmlformats.org/presentationml/2006/main">
+  <p:cSld>
+    <p:spTree>
+      <p:nvGrpSpPr>
+        <p:cNvPr id="1" name=""/>
+        <p:cNvGrpSpPr/>
+        <p:nvPr/>
+      </p:nvGrpSpPr>
+      <p:grpSpPr>
+        <a:xfrm>
+          <a:off x="0" y="0"/>
+          <a:ext cx="0" cy="0"/>
+          <a:chOff x="0" y="0"/>
+          <a:chExt cx="0" cy="0"/>
+        </a:xfrm>
+      </p:grpSpPr>
+      <p:pic>
+        <p:nvPicPr>
+          <p:cNvPr id="8" name="Picture 7" descr="period.png">
+            <a:extLst>
+              <a:ext uri="{FF2B5EF4-FFF2-40B4-BE49-F238E27FC236}">
+                <a16:creationId xmlns="" xmlns:a16="http://schemas.microsoft.com/office/drawing/2014/main" id="{146DA4FE-D614-7A4E-BD75-BF1A85077197}"/>
+              </a:ext>
+            </a:extLst>
+          </p:cNvPr>
+          <p:cNvPicPr>
+            <a:picLocks noChangeAspect="1"/>
+          </p:cNvPicPr>
+          <p:nvPr/>
+        </p:nvPicPr>
+        <p:blipFill>
+          <a:blip r:embed="rId2">
+            <a:extLst>
+              <a:ext uri="{28A0092B-C50C-407E-A947-70E740481C1C}">
+                <a14:useLocalDpi xmlns:a14="http://schemas.microsoft.com/office/drawing/2010/main" val="0"/>
+              </a:ext>
+            </a:extLst>
+          </a:blip>
+          <a:stretch>
+            <a:fillRect/>
+          </a:stretch>
+        </p:blipFill>
+        <p:spPr>
+          <a:xfrm>
+            <a:off x="678879" y="1219203"/>
+            <a:ext cx="10848104" cy="4826250"/>
+          </a:xfrm>
+          <a:prstGeom prst="rect">
+            <a:avLst/>
+          </a:prstGeom>
+        </p:spPr>
+      </p:pic>
+      <p:pic>
+        <p:nvPicPr>
+          <p:cNvPr id="2" name="Picture 1"/>
+          <p:cNvPicPr>
+            <a:picLocks noChangeAspect="1"/>
+          </p:cNvPicPr>
+          <p:nvPr/>
+        </p:nvPicPr>
+        <p:blipFill>
+          <a:blip r:embed="rId3">
+            <a:extLst>
+              <a:ext uri="{28A0092B-C50C-407E-A947-70E740481C1C}">
+                <a14:useLocalDpi xmlns:a14="http://schemas.microsoft.com/office/drawing/2010/main" val="0"/>
+              </a:ext>
+            </a:extLst>
+          </a:blip>
+          <a:stretch>
+            <a:fillRect/>
+          </a:stretch>
+        </p:blipFill>
+        <p:spPr>
+          <a:xfrm>
+            <a:off x="296781" y="1370982"/>
+            <a:ext cx="9330881" cy="5183823"/>
+          </a:xfrm>
+          <a:prstGeom prst="rect">
+            <a:avLst/>
+          </a:prstGeom>
+        </p:spPr>
+      </p:pic>
+      <p:sp>
+        <p:nvSpPr>
+          <p:cNvPr id="4" name="TextBox 3">
+            <a:extLst>
+              <a:ext uri="{FF2B5EF4-FFF2-40B4-BE49-F238E27FC236}">
+                <a16:creationId xmlns="" xmlns:a16="http://schemas.microsoft.com/office/drawing/2014/main" id="{ECF9865E-8797-774C-900C-3FF96CE7B0F2}"/>
+              </a:ext>
+            </a:extLst>
+          </p:cNvPr>
+          <p:cNvSpPr txBox="1"/>
+          <p:nvPr/>
+        </p:nvSpPr>
+        <p:spPr>
+          <a:xfrm>
+            <a:off x="3653319" y="396469"/>
+            <a:ext cx="1955664" cy="461665"/>
+          </a:xfrm>
+          <a:prstGeom prst="rect">
+            <a:avLst/>
+          </a:prstGeom>
+          <a:noFill/>
+        </p:spPr>
+        <p:txBody>
+          <a:bodyPr wrap="none" rtlCol="0">
+            <a:spAutoFit/>
+          </a:bodyPr>
+          <a:lstStyle/>
+          <a:p>
+            <a:r>
+              <a:rPr lang="da-DK" sz="2400" dirty="0" smtClean="0"/>
+              <a:t>Add2 </a:t>
+            </a:r>
+            <a:r>
+              <a:rPr lang="da-DK" sz="2400" dirty="0"/>
+              <a:t>– </a:t>
+            </a:r>
+            <a:r>
+              <a:rPr lang="da-DK" sz="2400" dirty="0" err="1" smtClean="0"/>
+              <a:t>lowest</a:t>
+            </a:r>
+            <a:endParaRPr lang="da-DK" sz="2400" dirty="0"/>
+          </a:p>
+        </p:txBody>
+      </p:sp>
+    </p:spTree>
+    <p:extLst>
+      <p:ext uri="{BB962C8B-B14F-4D97-AF65-F5344CB8AC3E}">
+        <p14:creationId xmlns:p14="http://schemas.microsoft.com/office/powerpoint/2010/main" val="318522804"/>
+      </p:ext>
+    </p:extLst>
+  </p:cSld>
+  <p:clrMapOvr>
+    <a:masterClrMapping/>
+  </p:clrMapOvr>
+</p:sld>
+</file>
+
+<file path=ppt/slides/slide7.xml><?xml version="1.0" encoding="utf-8"?>
+<p:sld xmlns:a="http://schemas.openxmlformats.org/drawingml/2006/main" xmlns:r="http://schemas.openxmlformats.org/officeDocument/2006/relationships" xmlns:p="http://schemas.openxmlformats.org/presentationml/2006/main">
+  <p:cSld>
+    <p:spTree>
+      <p:nvGrpSpPr>
+        <p:cNvPr id="1" name=""/>
+        <p:cNvGrpSpPr/>
+        <p:nvPr/>
+      </p:nvGrpSpPr>
+      <p:grpSpPr>
+        <a:xfrm>
+          <a:off x="0" y="0"/>
+          <a:ext cx="0" cy="0"/>
+          <a:chOff x="0" y="0"/>
+          <a:chExt cx="0" cy="0"/>
+        </a:xfrm>
+      </p:grpSpPr>
+      <p:pic>
+        <p:nvPicPr>
+          <p:cNvPr id="6" name="Picture 5"/>
+          <p:cNvPicPr>
+            <a:picLocks noChangeAspect="1"/>
+          </p:cNvPicPr>
+          <p:nvPr/>
+        </p:nvPicPr>
+        <p:blipFill>
+          <a:blip r:embed="rId2">
+            <a:extLst>
+              <a:ext uri="{28A0092B-C50C-407E-A947-70E740481C1C}">
+                <a14:useLocalDpi xmlns:a14="http://schemas.microsoft.com/office/drawing/2010/main" val="0"/>
+              </a:ext>
+            </a:extLst>
+          </a:blip>
+          <a:stretch>
+            <a:fillRect/>
+          </a:stretch>
+        </p:blipFill>
+        <p:spPr>
+          <a:xfrm>
+            <a:off x="6242391" y="1231900"/>
+            <a:ext cx="5854700" cy="4394200"/>
+          </a:xfrm>
+          <a:prstGeom prst="rect">
+            <a:avLst/>
+          </a:prstGeom>
+        </p:spPr>
+      </p:pic>
+      <p:pic>
+        <p:nvPicPr>
+          <p:cNvPr id="7" name="Picture 6"/>
+          <p:cNvPicPr>
+            <a:picLocks noChangeAspect="1"/>
+          </p:cNvPicPr>
+          <p:nvPr/>
+        </p:nvPicPr>
+        <p:blipFill>
+          <a:blip r:embed="rId3">
+            <a:extLst>
+              <a:ext uri="{28A0092B-C50C-407E-A947-70E740481C1C}">
+                <a14:useLocalDpi xmlns:a14="http://schemas.microsoft.com/office/drawing/2010/main" val="0"/>
+              </a:ext>
+            </a:extLst>
+          </a:blip>
+          <a:stretch>
+            <a:fillRect/>
+          </a:stretch>
+        </p:blipFill>
+        <p:spPr>
+          <a:xfrm>
+            <a:off x="387691" y="1234306"/>
+            <a:ext cx="5854700" cy="4394200"/>
+          </a:xfrm>
+          <a:prstGeom prst="rect">
+            <a:avLst/>
+          </a:prstGeom>
+        </p:spPr>
+      </p:pic>
+    </p:spTree>
+    <p:extLst>
+      <p:ext uri="{BB962C8B-B14F-4D97-AF65-F5344CB8AC3E}">
+        <p14:creationId xmlns:p14="http://schemas.microsoft.com/office/powerpoint/2010/main" val="579593338"/>
+      </p:ext>
+    </p:extLst>
+  </p:cSld>
+  <p:clrMapOvr>
+    <a:masterClrMapping/>
+  </p:clrMapOvr>
+</p:sld>
+</file>
+
+<file path=ppt/slides/slide8.xml><?xml version="1.0" encoding="utf-8"?>
+<p:sld xmlns:a="http://schemas.openxmlformats.org/drawingml/2006/main" xmlns:r="http://schemas.openxmlformats.org/officeDocument/2006/relationships" xmlns:p="http://schemas.openxmlformats.org/presentationml/2006/main">
+  <p:cSld>
+    <p:spTree>
+      <p:nvGrpSpPr>
+        <p:cNvPr id="1" name=""/>
+        <p:cNvGrpSpPr/>
+        <p:nvPr/>
+      </p:nvGrpSpPr>
+      <p:grpSpPr>
+        <a:xfrm>
+          <a:off x="0" y="0"/>
+          <a:ext cx="0" cy="0"/>
+          <a:chOff x="0" y="0"/>
+          <a:chExt cx="0" cy="0"/>
+        </a:xfrm>
+      </p:grpSpPr>
+      <p:pic>
+        <p:nvPicPr>
+          <p:cNvPr id="6" name="Picture 5"/>
+          <p:cNvPicPr>
+            <a:picLocks noChangeAspect="1"/>
+          </p:cNvPicPr>
+          <p:nvPr/>
+        </p:nvPicPr>
+        <p:blipFill>
+          <a:blip r:embed="rId2">
+            <a:extLst>
+              <a:ext uri="{28A0092B-C50C-407E-A947-70E740481C1C}">
+                <a14:useLocalDpi xmlns:a14="http://schemas.microsoft.com/office/drawing/2010/main" val="0"/>
+              </a:ext>
+            </a:extLst>
+          </a:blip>
+          <a:stretch>
+            <a:fillRect/>
+          </a:stretch>
+        </p:blipFill>
+        <p:spPr>
+          <a:xfrm>
+            <a:off x="0" y="1607418"/>
+            <a:ext cx="4619948" cy="3464961"/>
+          </a:xfrm>
+          <a:prstGeom prst="rect">
+            <a:avLst/>
+          </a:prstGeom>
+        </p:spPr>
+      </p:pic>
+      <p:pic>
+        <p:nvPicPr>
+          <p:cNvPr id="12" name="Picture 11"/>
+          <p:cNvPicPr>
+            <a:picLocks noChangeAspect="1"/>
+          </p:cNvPicPr>
+          <p:nvPr/>
+        </p:nvPicPr>
+        <p:blipFill>
+          <a:blip r:embed="rId3">
+            <a:extLst>
+              <a:ext uri="{28A0092B-C50C-407E-A947-70E740481C1C}">
+                <a14:useLocalDpi xmlns:a14="http://schemas.microsoft.com/office/drawing/2010/main" val="0"/>
+              </a:ext>
+            </a:extLst>
+          </a:blip>
+          <a:stretch>
+            <a:fillRect/>
+          </a:stretch>
+        </p:blipFill>
+        <p:spPr>
+          <a:xfrm>
+            <a:off x="4283064" y="292028"/>
+            <a:ext cx="4042788" cy="3034284"/>
+          </a:xfrm>
+          <a:prstGeom prst="rect">
+            <a:avLst/>
+          </a:prstGeom>
+        </p:spPr>
+      </p:pic>
+      <p:pic>
+        <p:nvPicPr>
+          <p:cNvPr id="13" name="Picture 12"/>
+          <p:cNvPicPr>
+            <a:picLocks noChangeAspect="1"/>
+          </p:cNvPicPr>
+          <p:nvPr/>
+        </p:nvPicPr>
+        <p:blipFill>
+          <a:blip r:embed="rId4">
+            <a:extLst>
+              <a:ext uri="{28A0092B-C50C-407E-A947-70E740481C1C}">
+                <a14:useLocalDpi xmlns:a14="http://schemas.microsoft.com/office/drawing/2010/main" val="0"/>
+              </a:ext>
+            </a:extLst>
+          </a:blip>
+          <a:stretch>
+            <a:fillRect/>
+          </a:stretch>
+        </p:blipFill>
+        <p:spPr>
+          <a:xfrm>
+            <a:off x="4283064" y="3326311"/>
+            <a:ext cx="4042788" cy="3034284"/>
+          </a:xfrm>
+          <a:prstGeom prst="rect">
+            <a:avLst/>
+          </a:prstGeom>
+        </p:spPr>
+      </p:pic>
+      <p:pic>
+        <p:nvPicPr>
+          <p:cNvPr id="14" name="Picture 13"/>
+          <p:cNvPicPr>
+            <a:picLocks noChangeAspect="1"/>
+          </p:cNvPicPr>
+          <p:nvPr/>
+        </p:nvPicPr>
+        <p:blipFill>
+          <a:blip r:embed="rId5">
+            <a:extLst>
+              <a:ext uri="{28A0092B-C50C-407E-A947-70E740481C1C}">
+                <a14:useLocalDpi xmlns:a14="http://schemas.microsoft.com/office/drawing/2010/main" val="0"/>
+              </a:ext>
+            </a:extLst>
+          </a:blip>
+          <a:stretch>
+            <a:fillRect/>
+          </a:stretch>
+        </p:blipFill>
+        <p:spPr>
+          <a:xfrm>
+            <a:off x="8149212" y="3321298"/>
+            <a:ext cx="4042788" cy="3034284"/>
+          </a:xfrm>
+          <a:prstGeom prst="rect">
+            <a:avLst/>
+          </a:prstGeom>
+        </p:spPr>
+      </p:pic>
+      <p:pic>
+        <p:nvPicPr>
+          <p:cNvPr id="15" name="Picture 14"/>
+          <p:cNvPicPr>
+            <a:picLocks noChangeAspect="1"/>
+          </p:cNvPicPr>
+          <p:nvPr/>
+        </p:nvPicPr>
+        <p:blipFill>
+          <a:blip r:embed="rId6">
+            <a:extLst>
+              <a:ext uri="{28A0092B-C50C-407E-A947-70E740481C1C}">
+                <a14:useLocalDpi xmlns:a14="http://schemas.microsoft.com/office/drawing/2010/main" val="0"/>
+              </a:ext>
+            </a:extLst>
+          </a:blip>
+          <a:stretch>
+            <a:fillRect/>
+          </a:stretch>
+        </p:blipFill>
+        <p:spPr>
+          <a:xfrm>
+            <a:off x="8149212" y="287015"/>
+            <a:ext cx="4042787" cy="3034283"/>
+          </a:xfrm>
+          <a:prstGeom prst="rect">
+            <a:avLst/>
+          </a:prstGeom>
+        </p:spPr>
+      </p:pic>
+    </p:spTree>
+    <p:extLst>
+      <p:ext uri="{BB962C8B-B14F-4D97-AF65-F5344CB8AC3E}">
+        <p14:creationId xmlns:p14="http://schemas.microsoft.com/office/powerpoint/2010/main" val="2066115079"/>
       </p:ext>
     </p:extLst>
   </p:cSld>
